--- a/业务文档跟踪/述职/shuzhi.pptx
+++ b/业务文档跟踪/述职/shuzhi.pptx
@@ -20,8 +20,9 @@
     <p:sldId id="269" r:id="rId14"/>
     <p:sldId id="271" r:id="rId15"/>
     <p:sldId id="272" r:id="rId16"/>
-    <p:sldId id="270" r:id="rId17"/>
-    <p:sldId id="258" r:id="rId18"/>
+    <p:sldId id="273" r:id="rId17"/>
+    <p:sldId id="270" r:id="rId18"/>
+    <p:sldId id="258" r:id="rId19"/>
   </p:sldIdLst>
   <p:sldSz cx="9144000" cy="6858000" type="screen4x3"/>
   <p:notesSz cx="6858000" cy="9144000"/>
@@ -130,7 +131,7 @@
 
 <file path=ppt/commentAuthors.xml><?xml version="1.0" encoding="utf-8"?>
 <p:cmAuthorLst xmlns:a="http://schemas.openxmlformats.org/drawingml/2006/main" xmlns:r="http://schemas.openxmlformats.org/officeDocument/2006/relationships" xmlns:p="http://schemas.openxmlformats.org/presentationml/2006/main">
-  <p:cmAuthor id="1" name="lishaoping" initials="l" lastIdx="1" clrIdx="0">
+  <p:cmAuthor id="1" name="lishaoping" initials="l" lastIdx="3" clrIdx="0">
     <p:extLst>
       <p:ext uri="{19B8F6BF-5375-455C-9EA6-DF929625EA0E}">
         <p15:presenceInfo xmlns:p15="http://schemas.microsoft.com/office/powerpoint/2012/main" userId="lishaoping" providerId="None"/>
@@ -145,6 +146,22 @@
   <p:cm authorId="1" dt="2018-11-25T22:15:38.249" idx="1">
     <p:pos x="10" y="10"/>
     <p:text>是否微聊，电话AES加密</p:text>
+    <p:extLst>
+      <p:ext uri="{C676402C-5697-4E1C-873F-D02D1690AC5C}">
+        <p15:threadingInfo xmlns:p15="http://schemas.microsoft.com/office/powerpoint/2012/main" timeZoneBias="-480"/>
+      </p:ext>
+    </p:extLst>
+  </p:cm>
+</p:cmLst>
+</file>
+
+<file path=ppt/comments/comment2.xml><?xml version="1.0" encoding="utf-8"?>
+<p:cmLst xmlns:a="http://schemas.openxmlformats.org/drawingml/2006/main" xmlns:r="http://schemas.openxmlformats.org/officeDocument/2006/relationships" xmlns:p="http://schemas.openxmlformats.org/presentationml/2006/main">
+  <p:cm authorId="1" dt="2018-11-26T17:00:33.169" idx="3">
+    <p:pos x="10" y="10"/>
+    <p:text>1.如果源数据有修改不能立即更新(主动)
+2.消耗了内存不能大量使用
+3.项目重启热数据清零(数据预热)</p:text>
     <p:extLst>
       <p:ext uri="{C676402C-5697-4E1C-873F-D02D1690AC5C}">
         <p15:threadingInfo xmlns:p15="http://schemas.microsoft.com/office/powerpoint/2012/main" timeZoneBias="-480"/>
@@ -32532,7 +32549,7 @@
           <a:p>
             <a:r>
               <a:rPr lang="zh-CN" altLang="en-US" dirty="0"/>
-              <a:t>问题</a:t>
+              <a:t>特点</a:t>
             </a:r>
           </a:p>
         </p:txBody>
@@ -32545,8 +32562,8 @@
         </p:nvSpPr>
         <p:spPr>
           <a:xfrm>
-            <a:off x="2956558" y="3405055"/>
-            <a:ext cx="3927568" cy="923330"/>
+            <a:off x="2956557" y="3405055"/>
+            <a:ext cx="4188825" cy="923330"/>
           </a:xfrm>
           <a:prstGeom prst="rect">
             <a:avLst/>
@@ -32565,7 +32582,23 @@
             </a:r>
             <a:r>
               <a:rPr lang="zh-CN" altLang="en-US" dirty="0" smtClean="0"/>
-              <a:t>如果源数据有修改不能立即更新</a:t>
+              <a:t>高性能，</a:t>
+            </a:r>
+            <a:r>
+              <a:rPr lang="en-US" altLang="zh-CN" dirty="0" smtClean="0"/>
+              <a:t>5000</a:t>
+            </a:r>
+            <a:r>
+              <a:rPr lang="zh-CN" altLang="en-US" dirty="0" smtClean="0"/>
+              <a:t>条缓存在</a:t>
+            </a:r>
+            <a:r>
+              <a:rPr lang="en-US" altLang="zh-CN" dirty="0" smtClean="0"/>
+              <a:t>0.1ms</a:t>
+            </a:r>
+            <a:r>
+              <a:rPr lang="zh-CN" altLang="en-US" dirty="0" smtClean="0"/>
+              <a:t>内</a:t>
             </a:r>
             <a:endParaRPr lang="en-US" altLang="zh-CN" dirty="0" smtClean="0"/>
           </a:p>
@@ -32576,18 +32609,30 @@
             </a:r>
             <a:r>
               <a:rPr lang="zh-CN" altLang="en-US" dirty="0" smtClean="0"/>
-              <a:t>消耗了内存不能大量使用</a:t>
+              <a:t>易使用，</a:t>
             </a:r>
-            <a:endParaRPr lang="en-US" altLang="zh-CN" dirty="0" smtClean="0"/>
-          </a:p>
-          <a:p>
             <a:r>
               <a:rPr lang="en-US" altLang="zh-CN" dirty="0" smtClean="0"/>
-              <a:t>3.</a:t>
+              <a:t>new</a:t>
             </a:r>
             <a:r>
               <a:rPr lang="zh-CN" altLang="en-US" dirty="0" smtClean="0"/>
-              <a:t>项目重启热数据清零</a:t>
+              <a:t>对象和配置启动</a:t>
+            </a:r>
+            <a:endParaRPr lang="en-US" altLang="zh-CN" dirty="0" smtClean="0"/>
+          </a:p>
+          <a:p>
+            <a:r>
+              <a:rPr lang="en-US" altLang="zh-CN" dirty="0"/>
+              <a:t>3</a:t>
+            </a:r>
+            <a:r>
+              <a:rPr lang="en-US" altLang="zh-CN" dirty="0" smtClean="0"/>
+              <a:t>.</a:t>
+            </a:r>
+            <a:r>
+              <a:rPr lang="zh-CN" altLang="en-US" dirty="0" smtClean="0"/>
+              <a:t>热点数据自动调整，策略可自定义</a:t>
             </a:r>
             <a:endParaRPr lang="zh-CN" altLang="en-US" dirty="0"/>
           </a:p>
@@ -32845,6 +32890,2279 @@
           <a:chExt cx="0" cy="0"/>
         </a:xfrm>
       </p:grpSpPr>
+      <p:pic>
+        <p:nvPicPr>
+          <p:cNvPr id="7" name="图片 6"/>
+          <p:cNvPicPr>
+            <a:picLocks noChangeAspect="1"/>
+          </p:cNvPicPr>
+          <p:nvPr/>
+        </p:nvPicPr>
+        <p:blipFill>
+          <a:blip r:embed="rId2" cstate="print">
+            <a:extLst>
+              <a:ext uri="{28A0092B-C50C-407E-A947-70E740481C1C}">
+                <a14:useLocalDpi xmlns:a14="http://schemas.microsoft.com/office/drawing/2010/main" val="0"/>
+              </a:ext>
+            </a:extLst>
+          </a:blip>
+          <a:stretch>
+            <a:fillRect/>
+          </a:stretch>
+        </p:blipFill>
+        <p:spPr>
+          <a:xfrm>
+            <a:off x="8522760" y="173935"/>
+            <a:ext cx="546228" cy="182076"/>
+          </a:xfrm>
+          <a:prstGeom prst="rect">
+            <a:avLst/>
+          </a:prstGeom>
+        </p:spPr>
+      </p:pic>
+      <p:grpSp>
+        <p:nvGrpSpPr>
+          <p:cNvPr id="9" name="组合 8"/>
+          <p:cNvGrpSpPr/>
+          <p:nvPr/>
+        </p:nvGrpSpPr>
+        <p:grpSpPr>
+          <a:xfrm>
+            <a:off x="0" y="695645"/>
+            <a:ext cx="432159" cy="489784"/>
+            <a:chOff x="202866" y="341874"/>
+            <a:chExt cx="576212" cy="653045"/>
+          </a:xfrm>
+        </p:grpSpPr>
+        <p:sp>
+          <p:nvSpPr>
+            <p:cNvPr id="10" name="矩形 9"/>
+            <p:cNvSpPr/>
+            <p:nvPr/>
+          </p:nvSpPr>
+          <p:spPr>
+            <a:xfrm>
+              <a:off x="202866" y="341874"/>
+              <a:ext cx="144016" cy="653045"/>
+            </a:xfrm>
+            <a:prstGeom prst="rect">
+              <a:avLst/>
+            </a:prstGeom>
+            <a:solidFill>
+              <a:srgbClr val="F58C65"/>
+            </a:solidFill>
+            <a:ln>
+              <a:noFill/>
+            </a:ln>
+          </p:spPr>
+          <p:style>
+            <a:lnRef idx="2">
+              <a:schemeClr val="accent1">
+                <a:shade val="50000"/>
+              </a:schemeClr>
+            </a:lnRef>
+            <a:fillRef idx="1">
+              <a:schemeClr val="accent1"/>
+            </a:fillRef>
+            <a:effectRef idx="0">
+              <a:schemeClr val="accent1"/>
+            </a:effectRef>
+            <a:fontRef idx="minor">
+              <a:schemeClr val="lt1"/>
+            </a:fontRef>
+          </p:style>
+          <p:txBody>
+            <a:bodyPr rtlCol="0" anchor="ctr"/>
+            <a:lstStyle/>
+            <a:p>
+              <a:pPr algn="ctr"/>
+              <a:endParaRPr lang="zh-CN" altLang="en-US" sz="1350"/>
+            </a:p>
+          </p:txBody>
+        </p:sp>
+        <p:sp>
+          <p:nvSpPr>
+            <p:cNvPr id="11" name="矩形 10"/>
+            <p:cNvSpPr/>
+            <p:nvPr/>
+          </p:nvSpPr>
+          <p:spPr>
+            <a:xfrm>
+              <a:off x="418889" y="341874"/>
+              <a:ext cx="360189" cy="653045"/>
+            </a:xfrm>
+            <a:prstGeom prst="rect">
+              <a:avLst/>
+            </a:prstGeom>
+            <a:solidFill>
+              <a:srgbClr val="74AD93"/>
+            </a:solidFill>
+            <a:ln>
+              <a:noFill/>
+            </a:ln>
+          </p:spPr>
+          <p:style>
+            <a:lnRef idx="2">
+              <a:schemeClr val="accent1">
+                <a:shade val="50000"/>
+              </a:schemeClr>
+            </a:lnRef>
+            <a:fillRef idx="1">
+              <a:schemeClr val="accent1"/>
+            </a:fillRef>
+            <a:effectRef idx="0">
+              <a:schemeClr val="accent1"/>
+            </a:effectRef>
+            <a:fontRef idx="minor">
+              <a:schemeClr val="lt1"/>
+            </a:fontRef>
+          </p:style>
+          <p:txBody>
+            <a:bodyPr rtlCol="0" anchor="ctr"/>
+            <a:lstStyle/>
+            <a:p>
+              <a:pPr algn="ctr"/>
+              <a:endParaRPr lang="zh-CN" altLang="en-US" sz="1350"/>
+            </a:p>
+          </p:txBody>
+        </p:sp>
+      </p:grpSp>
+      <p:sp>
+        <p:nvSpPr>
+          <p:cNvPr id="12" name="文本框 11"/>
+          <p:cNvSpPr txBox="1"/>
+          <p:nvPr/>
+        </p:nvSpPr>
+        <p:spPr>
+          <a:xfrm>
+            <a:off x="600890" y="648149"/>
+            <a:ext cx="6374676" cy="584775"/>
+          </a:xfrm>
+          <a:prstGeom prst="rect">
+            <a:avLst/>
+          </a:prstGeom>
+          <a:noFill/>
+        </p:spPr>
+        <p:txBody>
+          <a:bodyPr wrap="square" rtlCol="0">
+            <a:spAutoFit/>
+          </a:bodyPr>
+          <a:lstStyle/>
+          <a:p>
+            <a:r>
+              <a:rPr lang="zh-CN" altLang="en-US" sz="3200" dirty="0" smtClean="0"/>
+              <a:t>热数据内存缓存工具</a:t>
+            </a:r>
+            <a:r>
+              <a:rPr lang="en-US" altLang="zh-CN" sz="3200" dirty="0" smtClean="0"/>
+              <a:t>-</a:t>
+            </a:r>
+            <a:r>
+              <a:rPr lang="zh-CN" altLang="en-US" sz="3200" dirty="0" smtClean="0"/>
+              <a:t>类图</a:t>
+            </a:r>
+            <a:endParaRPr lang="zh-CN" altLang="en-US" sz="3200" b="1" dirty="0"/>
+          </a:p>
+        </p:txBody>
+      </p:sp>
+      <p:grpSp>
+        <p:nvGrpSpPr>
+          <p:cNvPr id="14" name="组合 13"/>
+          <p:cNvGrpSpPr/>
+          <p:nvPr/>
+        </p:nvGrpSpPr>
+        <p:grpSpPr>
+          <a:xfrm>
+            <a:off x="8501205" y="781493"/>
+            <a:ext cx="491490" cy="318085"/>
+            <a:chOff x="3017520" y="601990"/>
+            <a:chExt cx="491490" cy="414010"/>
+          </a:xfrm>
+        </p:grpSpPr>
+        <p:sp>
+          <p:nvSpPr>
+            <p:cNvPr id="15" name="燕尾形 14"/>
+            <p:cNvSpPr/>
+            <p:nvPr/>
+          </p:nvSpPr>
+          <p:spPr>
+            <a:xfrm>
+              <a:off x="3017520" y="601990"/>
+              <a:ext cx="198120" cy="414010"/>
+            </a:xfrm>
+            <a:prstGeom prst="chevron">
+              <a:avLst/>
+            </a:prstGeom>
+            <a:solidFill>
+              <a:srgbClr val="F5715B"/>
+            </a:solidFill>
+            <a:ln>
+              <a:noFill/>
+            </a:ln>
+          </p:spPr>
+          <p:style>
+            <a:lnRef idx="2">
+              <a:schemeClr val="accent1">
+                <a:shade val="50000"/>
+              </a:schemeClr>
+            </a:lnRef>
+            <a:fillRef idx="1">
+              <a:schemeClr val="accent1"/>
+            </a:fillRef>
+            <a:effectRef idx="0">
+              <a:schemeClr val="accent1"/>
+            </a:effectRef>
+            <a:fontRef idx="minor">
+              <a:schemeClr val="lt1"/>
+            </a:fontRef>
+          </p:style>
+          <p:txBody>
+            <a:bodyPr rtlCol="0" anchor="ctr"/>
+            <a:lstStyle/>
+            <a:p>
+              <a:pPr algn="ctr"/>
+              <a:endParaRPr lang="zh-CN" altLang="en-US">
+                <a:solidFill>
+                  <a:schemeClr val="tx1"/>
+                </a:solidFill>
+              </a:endParaRPr>
+            </a:p>
+          </p:txBody>
+        </p:sp>
+        <p:sp>
+          <p:nvSpPr>
+            <p:cNvPr id="16" name="燕尾形 15"/>
+            <p:cNvSpPr/>
+            <p:nvPr/>
+          </p:nvSpPr>
+          <p:spPr>
+            <a:xfrm>
+              <a:off x="3164205" y="601990"/>
+              <a:ext cx="198120" cy="414010"/>
+            </a:xfrm>
+            <a:prstGeom prst="chevron">
+              <a:avLst/>
+            </a:prstGeom>
+            <a:solidFill>
+              <a:srgbClr val="F93D32"/>
+            </a:solidFill>
+            <a:ln>
+              <a:noFill/>
+            </a:ln>
+          </p:spPr>
+          <p:style>
+            <a:lnRef idx="2">
+              <a:schemeClr val="accent1">
+                <a:shade val="50000"/>
+              </a:schemeClr>
+            </a:lnRef>
+            <a:fillRef idx="1">
+              <a:schemeClr val="accent1"/>
+            </a:fillRef>
+            <a:effectRef idx="0">
+              <a:schemeClr val="accent1"/>
+            </a:effectRef>
+            <a:fontRef idx="minor">
+              <a:schemeClr val="lt1"/>
+            </a:fontRef>
+          </p:style>
+          <p:txBody>
+            <a:bodyPr rtlCol="0" anchor="ctr"/>
+            <a:lstStyle/>
+            <a:p>
+              <a:pPr algn="ctr"/>
+              <a:endParaRPr lang="zh-CN" altLang="en-US">
+                <a:solidFill>
+                  <a:schemeClr val="tx1"/>
+                </a:solidFill>
+              </a:endParaRPr>
+            </a:p>
+          </p:txBody>
+        </p:sp>
+        <p:sp>
+          <p:nvSpPr>
+            <p:cNvPr id="17" name="燕尾形 16"/>
+            <p:cNvSpPr/>
+            <p:nvPr/>
+          </p:nvSpPr>
+          <p:spPr>
+            <a:xfrm>
+              <a:off x="3310890" y="601990"/>
+              <a:ext cx="198120" cy="414010"/>
+            </a:xfrm>
+            <a:prstGeom prst="chevron">
+              <a:avLst/>
+            </a:prstGeom>
+            <a:solidFill>
+              <a:srgbClr val="B82E24"/>
+            </a:solidFill>
+            <a:ln>
+              <a:noFill/>
+            </a:ln>
+          </p:spPr>
+          <p:style>
+            <a:lnRef idx="2">
+              <a:schemeClr val="accent1">
+                <a:shade val="50000"/>
+              </a:schemeClr>
+            </a:lnRef>
+            <a:fillRef idx="1">
+              <a:schemeClr val="accent1"/>
+            </a:fillRef>
+            <a:effectRef idx="0">
+              <a:schemeClr val="accent1"/>
+            </a:effectRef>
+            <a:fontRef idx="minor">
+              <a:schemeClr val="lt1"/>
+            </a:fontRef>
+          </p:style>
+          <p:txBody>
+            <a:bodyPr rtlCol="0" anchor="ctr"/>
+            <a:lstStyle/>
+            <a:p>
+              <a:pPr algn="ctr"/>
+              <a:endParaRPr lang="zh-CN" altLang="en-US">
+                <a:solidFill>
+                  <a:schemeClr val="tx1"/>
+                </a:solidFill>
+              </a:endParaRPr>
+            </a:p>
+          </p:txBody>
+        </p:sp>
+      </p:grpSp>
+      <p:sp>
+        <p:nvSpPr>
+          <p:cNvPr id="2" name="矩形 1"/>
+          <p:cNvSpPr/>
+          <p:nvPr/>
+        </p:nvSpPr>
+        <p:spPr>
+          <a:xfrm>
+            <a:off x="3043645" y="2952212"/>
+            <a:ext cx="4310743" cy="457200"/>
+          </a:xfrm>
+          <a:prstGeom prst="rect">
+            <a:avLst/>
+          </a:prstGeom>
+          <a:solidFill>
+            <a:schemeClr val="accent1">
+              <a:lumMod val="40000"/>
+              <a:lumOff val="60000"/>
+            </a:schemeClr>
+          </a:solidFill>
+          <a:ln>
+            <a:solidFill>
+              <a:schemeClr val="accent1"/>
+            </a:solidFill>
+          </a:ln>
+        </p:spPr>
+        <p:style>
+          <a:lnRef idx="2">
+            <a:schemeClr val="accent1">
+              <a:shade val="50000"/>
+            </a:schemeClr>
+          </a:lnRef>
+          <a:fillRef idx="1">
+            <a:schemeClr val="accent1"/>
+          </a:fillRef>
+          <a:effectRef idx="0">
+            <a:schemeClr val="accent1"/>
+          </a:effectRef>
+          <a:fontRef idx="minor">
+            <a:schemeClr val="lt1"/>
+          </a:fontRef>
+        </p:style>
+        <p:txBody>
+          <a:bodyPr rtlCol="0" anchor="ctr"/>
+          <a:lstStyle/>
+          <a:p>
+            <a:pPr algn="ctr"/>
+            <a:endParaRPr lang="zh-CN" altLang="en-US"/>
+          </a:p>
+        </p:txBody>
+      </p:sp>
+      <p:sp>
+        <p:nvSpPr>
+          <p:cNvPr id="23" name="矩形 22"/>
+          <p:cNvSpPr/>
+          <p:nvPr/>
+        </p:nvSpPr>
+        <p:spPr>
+          <a:xfrm>
+            <a:off x="3043644" y="3409411"/>
+            <a:ext cx="4310744" cy="1012317"/>
+          </a:xfrm>
+          <a:prstGeom prst="rect">
+            <a:avLst/>
+          </a:prstGeom>
+          <a:solidFill>
+            <a:schemeClr val="bg1"/>
+          </a:solidFill>
+          <a:ln>
+            <a:solidFill>
+              <a:schemeClr val="accent1"/>
+            </a:solidFill>
+          </a:ln>
+        </p:spPr>
+        <p:style>
+          <a:lnRef idx="2">
+            <a:schemeClr val="accent1">
+              <a:shade val="50000"/>
+            </a:schemeClr>
+          </a:lnRef>
+          <a:fillRef idx="1">
+            <a:schemeClr val="accent1"/>
+          </a:fillRef>
+          <a:effectRef idx="0">
+            <a:schemeClr val="accent1"/>
+          </a:effectRef>
+          <a:fontRef idx="minor">
+            <a:schemeClr val="lt1"/>
+          </a:fontRef>
+        </p:style>
+        <p:txBody>
+          <a:bodyPr rtlCol="0" anchor="ctr"/>
+          <a:lstStyle/>
+          <a:p>
+            <a:pPr algn="ctr"/>
+            <a:endParaRPr lang="zh-CN" altLang="en-US"/>
+          </a:p>
+        </p:txBody>
+      </p:sp>
+      <p:sp>
+        <p:nvSpPr>
+          <p:cNvPr id="3" name="文本框 2"/>
+          <p:cNvSpPr txBox="1"/>
+          <p:nvPr/>
+        </p:nvSpPr>
+        <p:spPr>
+          <a:xfrm>
+            <a:off x="3148146" y="3095903"/>
+            <a:ext cx="6322423" cy="276999"/>
+          </a:xfrm>
+          <a:prstGeom prst="rect">
+            <a:avLst/>
+          </a:prstGeom>
+          <a:noFill/>
+        </p:spPr>
+        <p:txBody>
+          <a:bodyPr wrap="square" rtlCol="0">
+            <a:spAutoFit/>
+          </a:bodyPr>
+          <a:lstStyle/>
+          <a:p>
+            <a:r>
+              <a:rPr lang="en-US" altLang="zh-CN" sz="1200" dirty="0" err="1" smtClean="0"/>
+              <a:t>AbstractHotDataCache</a:t>
+            </a:r>
+            <a:r>
+              <a:rPr lang="en-US" altLang="zh-CN" sz="1200" dirty="0" smtClean="0"/>
+              <a:t>&lt;K, T, E extends </a:t>
+            </a:r>
+            <a:r>
+              <a:rPr lang="en-US" altLang="zh-CN" sz="1200" dirty="0" err="1" smtClean="0"/>
+              <a:t>AbstractCacheEntity</a:t>
+            </a:r>
+            <a:r>
+              <a:rPr lang="en-US" altLang="zh-CN" sz="1200" dirty="0" smtClean="0"/>
+              <a:t>&lt;T&gt;&gt;</a:t>
+            </a:r>
+            <a:endParaRPr lang="zh-CN" altLang="en-US" sz="1200" dirty="0"/>
+          </a:p>
+        </p:txBody>
+      </p:sp>
+      <p:sp>
+        <p:nvSpPr>
+          <p:cNvPr id="4" name="文本框 3"/>
+          <p:cNvSpPr txBox="1"/>
+          <p:nvPr/>
+        </p:nvSpPr>
+        <p:spPr>
+          <a:xfrm>
+            <a:off x="3196044" y="3499512"/>
+            <a:ext cx="5929453" cy="830997"/>
+          </a:xfrm>
+          <a:prstGeom prst="rect">
+            <a:avLst/>
+          </a:prstGeom>
+          <a:noFill/>
+        </p:spPr>
+        <p:txBody>
+          <a:bodyPr wrap="square" rtlCol="0">
+            <a:spAutoFit/>
+          </a:bodyPr>
+          <a:lstStyle/>
+          <a:p>
+            <a:pPr marL="171450" indent="-171450">
+              <a:buFontTx/>
+              <a:buChar char="-"/>
+            </a:pPr>
+            <a:r>
+              <a:rPr lang="en-US" altLang="zh-CN" sz="1200" dirty="0" err="1" smtClean="0"/>
+              <a:t>scheduledTaskByVisitTime</a:t>
+            </a:r>
+            <a:r>
+              <a:rPr lang="en-US" altLang="zh-CN" sz="1200" dirty="0" smtClean="0"/>
+              <a:t>(final </a:t>
+            </a:r>
+            <a:r>
+              <a:rPr lang="en-US" altLang="zh-CN" sz="1200" dirty="0" err="1"/>
+              <a:t>IGetValByKey</a:t>
+            </a:r>
+            <a:r>
+              <a:rPr lang="en-US" altLang="zh-CN" sz="1200" dirty="0"/>
+              <a:t>&lt;K, T&gt; source</a:t>
+            </a:r>
+            <a:r>
+              <a:rPr lang="en-US" altLang="zh-CN" sz="1200" dirty="0" smtClean="0"/>
+              <a:t>)</a:t>
+            </a:r>
+          </a:p>
+          <a:p>
+            <a:pPr marL="171450" indent="-171450">
+              <a:buFontTx/>
+              <a:buChar char="-"/>
+            </a:pPr>
+            <a:r>
+              <a:rPr lang="en-US" altLang="zh-CN" sz="1200" dirty="0" err="1" smtClean="0"/>
+              <a:t>cleanCache</a:t>
+            </a:r>
+            <a:r>
+              <a:rPr lang="en-US" altLang="zh-CN" sz="1200" dirty="0" smtClean="0"/>
+              <a:t>()</a:t>
+            </a:r>
+          </a:p>
+          <a:p>
+            <a:pPr marL="171450" indent="-171450">
+              <a:buFontTx/>
+              <a:buChar char="-"/>
+            </a:pPr>
+            <a:r>
+              <a:rPr lang="en-US" altLang="zh-CN" sz="1200" dirty="0" err="1" smtClean="0"/>
+              <a:t>getData</a:t>
+            </a:r>
+            <a:r>
+              <a:rPr lang="en-US" altLang="zh-CN" sz="1200" dirty="0" smtClean="0"/>
+              <a:t>(K key)</a:t>
+            </a:r>
+          </a:p>
+          <a:p>
+            <a:pPr marL="171450" indent="-171450">
+              <a:buFontTx/>
+              <a:buChar char="-"/>
+            </a:pPr>
+            <a:r>
+              <a:rPr lang="en-US" altLang="zh-CN" sz="1200" dirty="0" err="1"/>
+              <a:t>configAndStartClean</a:t>
+            </a:r>
+            <a:r>
+              <a:rPr lang="en-US" altLang="zh-CN" sz="1200" dirty="0"/>
+              <a:t>(</a:t>
+            </a:r>
+            <a:r>
+              <a:rPr lang="en-US" altLang="zh-CN" sz="1200" dirty="0" err="1"/>
+              <a:t>CacheConfig</a:t>
+            </a:r>
+            <a:r>
+              <a:rPr lang="en-US" altLang="zh-CN" sz="1200" dirty="0"/>
+              <a:t> </a:t>
+            </a:r>
+            <a:r>
+              <a:rPr lang="en-US" altLang="zh-CN" sz="1200" dirty="0" err="1"/>
+              <a:t>config</a:t>
+            </a:r>
+            <a:r>
+              <a:rPr lang="en-US" altLang="zh-CN" sz="1200" dirty="0"/>
+              <a:t>)</a:t>
+            </a:r>
+            <a:endParaRPr lang="zh-CN" altLang="en-US" sz="1200" dirty="0"/>
+          </a:p>
+        </p:txBody>
+      </p:sp>
+      <p:sp>
+        <p:nvSpPr>
+          <p:cNvPr id="26" name="矩形 25"/>
+          <p:cNvSpPr/>
+          <p:nvPr/>
+        </p:nvSpPr>
+        <p:spPr>
+          <a:xfrm>
+            <a:off x="3880759" y="5285445"/>
+            <a:ext cx="1814651" cy="457200"/>
+          </a:xfrm>
+          <a:prstGeom prst="rect">
+            <a:avLst/>
+          </a:prstGeom>
+          <a:solidFill>
+            <a:schemeClr val="accent1">
+              <a:lumMod val="40000"/>
+              <a:lumOff val="60000"/>
+            </a:schemeClr>
+          </a:solidFill>
+          <a:ln>
+            <a:solidFill>
+              <a:schemeClr val="accent1"/>
+            </a:solidFill>
+          </a:ln>
+        </p:spPr>
+        <p:style>
+          <a:lnRef idx="2">
+            <a:schemeClr val="accent1">
+              <a:shade val="50000"/>
+            </a:schemeClr>
+          </a:lnRef>
+          <a:fillRef idx="1">
+            <a:schemeClr val="accent1"/>
+          </a:fillRef>
+          <a:effectRef idx="0">
+            <a:schemeClr val="accent1"/>
+          </a:effectRef>
+          <a:fontRef idx="minor">
+            <a:schemeClr val="lt1"/>
+          </a:fontRef>
+        </p:style>
+        <p:txBody>
+          <a:bodyPr rtlCol="0" anchor="ctr"/>
+          <a:lstStyle/>
+          <a:p>
+            <a:pPr algn="ctr"/>
+            <a:endParaRPr lang="zh-CN" altLang="en-US"/>
+          </a:p>
+        </p:txBody>
+      </p:sp>
+      <p:sp>
+        <p:nvSpPr>
+          <p:cNvPr id="27" name="矩形 26"/>
+          <p:cNvSpPr/>
+          <p:nvPr/>
+        </p:nvSpPr>
+        <p:spPr>
+          <a:xfrm>
+            <a:off x="3880758" y="5742645"/>
+            <a:ext cx="1814652" cy="457200"/>
+          </a:xfrm>
+          <a:prstGeom prst="rect">
+            <a:avLst/>
+          </a:prstGeom>
+          <a:solidFill>
+            <a:schemeClr val="bg1"/>
+          </a:solidFill>
+          <a:ln>
+            <a:solidFill>
+              <a:schemeClr val="accent1"/>
+            </a:solidFill>
+          </a:ln>
+        </p:spPr>
+        <p:style>
+          <a:lnRef idx="2">
+            <a:schemeClr val="accent1">
+              <a:shade val="50000"/>
+            </a:schemeClr>
+          </a:lnRef>
+          <a:fillRef idx="1">
+            <a:schemeClr val="accent1"/>
+          </a:fillRef>
+          <a:effectRef idx="0">
+            <a:schemeClr val="accent1"/>
+          </a:effectRef>
+          <a:fontRef idx="minor">
+            <a:schemeClr val="lt1"/>
+          </a:fontRef>
+        </p:style>
+        <p:txBody>
+          <a:bodyPr rtlCol="0" anchor="ctr"/>
+          <a:lstStyle/>
+          <a:p>
+            <a:pPr algn="ctr"/>
+            <a:endParaRPr lang="zh-CN" altLang="en-US"/>
+          </a:p>
+        </p:txBody>
+      </p:sp>
+      <p:sp>
+        <p:nvSpPr>
+          <p:cNvPr id="28" name="文本框 27"/>
+          <p:cNvSpPr txBox="1"/>
+          <p:nvPr/>
+        </p:nvSpPr>
+        <p:spPr>
+          <a:xfrm>
+            <a:off x="3940630" y="5377549"/>
+            <a:ext cx="2002975" cy="276997"/>
+          </a:xfrm>
+          <a:prstGeom prst="rect">
+            <a:avLst/>
+          </a:prstGeom>
+          <a:noFill/>
+        </p:spPr>
+        <p:txBody>
+          <a:bodyPr wrap="square" rtlCol="0">
+            <a:spAutoFit/>
+          </a:bodyPr>
+          <a:lstStyle/>
+          <a:p>
+            <a:r>
+              <a:rPr lang="en-US" altLang="zh-CN" sz="1200" dirty="0" err="1"/>
+              <a:t>PuHotDataCache</a:t>
+            </a:r>
+            <a:r>
+              <a:rPr lang="en-US" altLang="zh-CN" sz="1200" dirty="0"/>
+              <a:t>&lt;K, T&gt;</a:t>
+            </a:r>
+            <a:endParaRPr lang="zh-CN" altLang="en-US" sz="1200" dirty="0"/>
+          </a:p>
+        </p:txBody>
+      </p:sp>
+      <p:sp>
+        <p:nvSpPr>
+          <p:cNvPr id="29" name="文本框 28"/>
+          <p:cNvSpPr txBox="1"/>
+          <p:nvPr/>
+        </p:nvSpPr>
+        <p:spPr>
+          <a:xfrm>
+            <a:off x="3940633" y="5834747"/>
+            <a:ext cx="2002972" cy="276949"/>
+          </a:xfrm>
+          <a:prstGeom prst="rect">
+            <a:avLst/>
+          </a:prstGeom>
+          <a:noFill/>
+        </p:spPr>
+        <p:txBody>
+          <a:bodyPr wrap="square" rtlCol="0">
+            <a:spAutoFit/>
+          </a:bodyPr>
+          <a:lstStyle/>
+          <a:p>
+            <a:r>
+              <a:rPr lang="en-US" altLang="zh-CN" sz="1200" dirty="0" smtClean="0"/>
+              <a:t>- </a:t>
+            </a:r>
+            <a:r>
+              <a:rPr lang="en-US" altLang="zh-CN" sz="1200" dirty="0" err="1" smtClean="0"/>
+              <a:t>getMapSize</a:t>
+            </a:r>
+            <a:r>
+              <a:rPr lang="en-US" altLang="zh-CN" sz="1200" dirty="0"/>
+              <a:t>()</a:t>
+            </a:r>
+            <a:endParaRPr lang="zh-CN" altLang="en-US" sz="1200" dirty="0"/>
+          </a:p>
+        </p:txBody>
+      </p:sp>
+      <p:sp>
+        <p:nvSpPr>
+          <p:cNvPr id="18" name="等腰三角形 17"/>
+          <p:cNvSpPr/>
+          <p:nvPr/>
+        </p:nvSpPr>
+        <p:spPr>
+          <a:xfrm>
+            <a:off x="5107579" y="4460914"/>
+            <a:ext cx="261258" cy="126610"/>
+          </a:xfrm>
+          <a:prstGeom prst="triangle">
+            <a:avLst/>
+          </a:prstGeom>
+          <a:solidFill>
+            <a:schemeClr val="bg1"/>
+          </a:solidFill>
+        </p:spPr>
+        <p:style>
+          <a:lnRef idx="2">
+            <a:schemeClr val="accent1">
+              <a:shade val="50000"/>
+            </a:schemeClr>
+          </a:lnRef>
+          <a:fillRef idx="1">
+            <a:schemeClr val="accent1"/>
+          </a:fillRef>
+          <a:effectRef idx="0">
+            <a:schemeClr val="accent1"/>
+          </a:effectRef>
+          <a:fontRef idx="minor">
+            <a:schemeClr val="lt1"/>
+          </a:fontRef>
+        </p:style>
+        <p:txBody>
+          <a:bodyPr rtlCol="0" anchor="ctr"/>
+          <a:lstStyle/>
+          <a:p>
+            <a:pPr algn="ctr"/>
+            <a:endParaRPr lang="zh-CN" altLang="en-US"/>
+          </a:p>
+        </p:txBody>
+      </p:sp>
+      <p:cxnSp>
+        <p:nvCxnSpPr>
+          <p:cNvPr id="21" name="肘形连接符 20"/>
+          <p:cNvCxnSpPr>
+            <a:stCxn id="26" idx="0"/>
+            <a:endCxn id="18" idx="3"/>
+          </p:cNvCxnSpPr>
+          <p:nvPr/>
+        </p:nvCxnSpPr>
+        <p:spPr>
+          <a:xfrm rot="5400000" flipH="1" flipV="1">
+            <a:off x="4664186" y="4711424"/>
+            <a:ext cx="697921" cy="450123"/>
+          </a:xfrm>
+          <a:prstGeom prst="bentConnector3">
+            <a:avLst/>
+          </a:prstGeom>
+        </p:spPr>
+        <p:style>
+          <a:lnRef idx="1">
+            <a:schemeClr val="accent1"/>
+          </a:lnRef>
+          <a:fillRef idx="0">
+            <a:schemeClr val="accent1"/>
+          </a:fillRef>
+          <a:effectRef idx="0">
+            <a:schemeClr val="accent1"/>
+          </a:effectRef>
+          <a:fontRef idx="minor">
+            <a:schemeClr val="tx1"/>
+          </a:fontRef>
+        </p:style>
+      </p:cxnSp>
+      <p:sp>
+        <p:nvSpPr>
+          <p:cNvPr id="35" name="矩形 34"/>
+          <p:cNvSpPr/>
+          <p:nvPr/>
+        </p:nvSpPr>
+        <p:spPr>
+          <a:xfrm>
+            <a:off x="845824" y="1584299"/>
+            <a:ext cx="1814651" cy="457200"/>
+          </a:xfrm>
+          <a:prstGeom prst="rect">
+            <a:avLst/>
+          </a:prstGeom>
+          <a:solidFill>
+            <a:schemeClr val="accent1">
+              <a:lumMod val="40000"/>
+              <a:lumOff val="60000"/>
+            </a:schemeClr>
+          </a:solidFill>
+          <a:ln>
+            <a:solidFill>
+              <a:schemeClr val="accent1"/>
+            </a:solidFill>
+          </a:ln>
+        </p:spPr>
+        <p:style>
+          <a:lnRef idx="2">
+            <a:schemeClr val="accent1">
+              <a:shade val="50000"/>
+            </a:schemeClr>
+          </a:lnRef>
+          <a:fillRef idx="1">
+            <a:schemeClr val="accent1"/>
+          </a:fillRef>
+          <a:effectRef idx="0">
+            <a:schemeClr val="accent1"/>
+          </a:effectRef>
+          <a:fontRef idx="minor">
+            <a:schemeClr val="lt1"/>
+          </a:fontRef>
+        </p:style>
+        <p:txBody>
+          <a:bodyPr rtlCol="0" anchor="ctr"/>
+          <a:lstStyle/>
+          <a:p>
+            <a:pPr algn="ctr"/>
+            <a:endParaRPr lang="zh-CN" altLang="en-US"/>
+          </a:p>
+        </p:txBody>
+      </p:sp>
+      <p:sp>
+        <p:nvSpPr>
+          <p:cNvPr id="36" name="矩形 35"/>
+          <p:cNvSpPr/>
+          <p:nvPr/>
+        </p:nvSpPr>
+        <p:spPr>
+          <a:xfrm>
+            <a:off x="845823" y="2041499"/>
+            <a:ext cx="1814652" cy="457200"/>
+          </a:xfrm>
+          <a:prstGeom prst="rect">
+            <a:avLst/>
+          </a:prstGeom>
+          <a:solidFill>
+            <a:schemeClr val="bg1"/>
+          </a:solidFill>
+          <a:ln>
+            <a:solidFill>
+              <a:schemeClr val="accent1"/>
+            </a:solidFill>
+          </a:ln>
+        </p:spPr>
+        <p:style>
+          <a:lnRef idx="2">
+            <a:schemeClr val="accent1">
+              <a:shade val="50000"/>
+            </a:schemeClr>
+          </a:lnRef>
+          <a:fillRef idx="1">
+            <a:schemeClr val="accent1"/>
+          </a:fillRef>
+          <a:effectRef idx="0">
+            <a:schemeClr val="accent1"/>
+          </a:effectRef>
+          <a:fontRef idx="minor">
+            <a:schemeClr val="lt1"/>
+          </a:fontRef>
+        </p:style>
+        <p:txBody>
+          <a:bodyPr rtlCol="0" anchor="ctr"/>
+          <a:lstStyle/>
+          <a:p>
+            <a:pPr algn="ctr"/>
+            <a:endParaRPr lang="zh-CN" altLang="en-US"/>
+          </a:p>
+        </p:txBody>
+      </p:sp>
+      <p:sp>
+        <p:nvSpPr>
+          <p:cNvPr id="37" name="文本框 36"/>
+          <p:cNvSpPr txBox="1"/>
+          <p:nvPr/>
+        </p:nvSpPr>
+        <p:spPr>
+          <a:xfrm>
+            <a:off x="905695" y="1676403"/>
+            <a:ext cx="2002975" cy="276997"/>
+          </a:xfrm>
+          <a:prstGeom prst="rect">
+            <a:avLst/>
+          </a:prstGeom>
+          <a:noFill/>
+        </p:spPr>
+        <p:txBody>
+          <a:bodyPr wrap="square" rtlCol="0">
+            <a:spAutoFit/>
+          </a:bodyPr>
+          <a:lstStyle/>
+          <a:p>
+            <a:r>
+              <a:rPr lang="en-US" altLang="zh-CN" sz="1200" dirty="0" err="1"/>
+              <a:t>AbstractCacheEntity</a:t>
+            </a:r>
+            <a:r>
+              <a:rPr lang="en-US" altLang="zh-CN" sz="1200" dirty="0"/>
+              <a:t>&lt;T&gt;</a:t>
+            </a:r>
+            <a:endParaRPr lang="zh-CN" altLang="en-US" sz="1200" dirty="0"/>
+          </a:p>
+        </p:txBody>
+      </p:sp>
+      <p:sp>
+        <p:nvSpPr>
+          <p:cNvPr id="38" name="文本框 37"/>
+          <p:cNvSpPr txBox="1"/>
+          <p:nvPr/>
+        </p:nvSpPr>
+        <p:spPr>
+          <a:xfrm>
+            <a:off x="905698" y="2133601"/>
+            <a:ext cx="2002972" cy="276949"/>
+          </a:xfrm>
+          <a:prstGeom prst="rect">
+            <a:avLst/>
+          </a:prstGeom>
+          <a:noFill/>
+        </p:spPr>
+        <p:txBody>
+          <a:bodyPr wrap="square" rtlCol="0">
+            <a:spAutoFit/>
+          </a:bodyPr>
+          <a:lstStyle/>
+          <a:p>
+            <a:r>
+              <a:rPr lang="en-US" altLang="zh-CN" sz="1200" dirty="0" smtClean="0"/>
+              <a:t>- T data</a:t>
+            </a:r>
+            <a:endParaRPr lang="zh-CN" altLang="en-US" sz="1200" dirty="0"/>
+          </a:p>
+        </p:txBody>
+      </p:sp>
+      <p:sp>
+        <p:nvSpPr>
+          <p:cNvPr id="39" name="矩形 38"/>
+          <p:cNvSpPr/>
+          <p:nvPr/>
+        </p:nvSpPr>
+        <p:spPr>
+          <a:xfrm>
+            <a:off x="6131936" y="1606068"/>
+            <a:ext cx="1814651" cy="457200"/>
+          </a:xfrm>
+          <a:prstGeom prst="rect">
+            <a:avLst/>
+          </a:prstGeom>
+          <a:solidFill>
+            <a:schemeClr val="accent1">
+              <a:lumMod val="40000"/>
+              <a:lumOff val="60000"/>
+            </a:schemeClr>
+          </a:solidFill>
+          <a:ln>
+            <a:solidFill>
+              <a:schemeClr val="accent1"/>
+            </a:solidFill>
+          </a:ln>
+        </p:spPr>
+        <p:style>
+          <a:lnRef idx="2">
+            <a:schemeClr val="accent1">
+              <a:shade val="50000"/>
+            </a:schemeClr>
+          </a:lnRef>
+          <a:fillRef idx="1">
+            <a:schemeClr val="accent1"/>
+          </a:fillRef>
+          <a:effectRef idx="0">
+            <a:schemeClr val="accent1"/>
+          </a:effectRef>
+          <a:fontRef idx="minor">
+            <a:schemeClr val="lt1"/>
+          </a:fontRef>
+        </p:style>
+        <p:txBody>
+          <a:bodyPr rtlCol="0" anchor="ctr"/>
+          <a:lstStyle/>
+          <a:p>
+            <a:pPr algn="ctr"/>
+            <a:endParaRPr lang="zh-CN" altLang="en-US"/>
+          </a:p>
+        </p:txBody>
+      </p:sp>
+      <p:sp>
+        <p:nvSpPr>
+          <p:cNvPr id="40" name="矩形 39"/>
+          <p:cNvSpPr/>
+          <p:nvPr/>
+        </p:nvSpPr>
+        <p:spPr>
+          <a:xfrm>
+            <a:off x="6131935" y="2063267"/>
+            <a:ext cx="1814652" cy="553767"/>
+          </a:xfrm>
+          <a:prstGeom prst="rect">
+            <a:avLst/>
+          </a:prstGeom>
+          <a:solidFill>
+            <a:schemeClr val="bg1"/>
+          </a:solidFill>
+          <a:ln>
+            <a:solidFill>
+              <a:schemeClr val="accent1"/>
+            </a:solidFill>
+          </a:ln>
+        </p:spPr>
+        <p:style>
+          <a:lnRef idx="2">
+            <a:schemeClr val="accent1">
+              <a:shade val="50000"/>
+            </a:schemeClr>
+          </a:lnRef>
+          <a:fillRef idx="1">
+            <a:schemeClr val="accent1"/>
+          </a:fillRef>
+          <a:effectRef idx="0">
+            <a:schemeClr val="accent1"/>
+          </a:effectRef>
+          <a:fontRef idx="minor">
+            <a:schemeClr val="lt1"/>
+          </a:fontRef>
+        </p:style>
+        <p:txBody>
+          <a:bodyPr rtlCol="0" anchor="ctr"/>
+          <a:lstStyle/>
+          <a:p>
+            <a:pPr algn="ctr"/>
+            <a:endParaRPr lang="zh-CN" altLang="en-US"/>
+          </a:p>
+        </p:txBody>
+      </p:sp>
+      <p:sp>
+        <p:nvSpPr>
+          <p:cNvPr id="41" name="文本框 40"/>
+          <p:cNvSpPr txBox="1"/>
+          <p:nvPr/>
+        </p:nvSpPr>
+        <p:spPr>
+          <a:xfrm>
+            <a:off x="6518380" y="1698172"/>
+            <a:ext cx="2002975" cy="276997"/>
+          </a:xfrm>
+          <a:prstGeom prst="rect">
+            <a:avLst/>
+          </a:prstGeom>
+          <a:noFill/>
+        </p:spPr>
+        <p:txBody>
+          <a:bodyPr wrap="square" rtlCol="0">
+            <a:spAutoFit/>
+          </a:bodyPr>
+          <a:lstStyle/>
+          <a:p>
+            <a:r>
+              <a:rPr lang="en-US" altLang="zh-CN" sz="1200" dirty="0" err="1" smtClean="0"/>
+              <a:t>CacheConfig</a:t>
+            </a:r>
+            <a:endParaRPr lang="zh-CN" altLang="en-US" sz="1200" dirty="0"/>
+          </a:p>
+        </p:txBody>
+      </p:sp>
+      <p:sp>
+        <p:nvSpPr>
+          <p:cNvPr id="42" name="文本框 41"/>
+          <p:cNvSpPr txBox="1"/>
+          <p:nvPr/>
+        </p:nvSpPr>
+        <p:spPr>
+          <a:xfrm>
+            <a:off x="6191810" y="2155370"/>
+            <a:ext cx="2002972" cy="461665"/>
+          </a:xfrm>
+          <a:prstGeom prst="rect">
+            <a:avLst/>
+          </a:prstGeom>
+          <a:noFill/>
+        </p:spPr>
+        <p:txBody>
+          <a:bodyPr wrap="square" rtlCol="0">
+            <a:spAutoFit/>
+          </a:bodyPr>
+          <a:lstStyle/>
+          <a:p>
+            <a:pPr marL="171450" indent="-171450">
+              <a:buFontTx/>
+              <a:buChar char="-"/>
+            </a:pPr>
+            <a:r>
+              <a:rPr lang="en-US" altLang="zh-CN" sz="1200" dirty="0" smtClean="0"/>
+              <a:t>Long </a:t>
+            </a:r>
+            <a:r>
+              <a:rPr lang="en-US" altLang="zh-CN" sz="1200" dirty="0" err="1" smtClean="0"/>
+              <a:t>taskperiod</a:t>
+            </a:r>
+            <a:endParaRPr lang="en-US" altLang="zh-CN" sz="1200" dirty="0" smtClean="0"/>
+          </a:p>
+          <a:p>
+            <a:pPr marL="171450" indent="-171450">
+              <a:buFontTx/>
+              <a:buChar char="-"/>
+            </a:pPr>
+            <a:r>
+              <a:rPr lang="en-US" altLang="zh-CN" sz="1200" dirty="0" smtClean="0"/>
+              <a:t>…</a:t>
+            </a:r>
+            <a:endParaRPr lang="zh-CN" altLang="en-US" sz="1200" dirty="0"/>
+          </a:p>
+        </p:txBody>
+      </p:sp>
+      <p:sp>
+        <p:nvSpPr>
+          <p:cNvPr id="43" name="矩形 42"/>
+          <p:cNvSpPr/>
+          <p:nvPr/>
+        </p:nvSpPr>
+        <p:spPr>
+          <a:xfrm>
+            <a:off x="3623860" y="1593009"/>
+            <a:ext cx="1814651" cy="457200"/>
+          </a:xfrm>
+          <a:prstGeom prst="rect">
+            <a:avLst/>
+          </a:prstGeom>
+          <a:solidFill>
+            <a:schemeClr val="accent1">
+              <a:lumMod val="40000"/>
+              <a:lumOff val="60000"/>
+            </a:schemeClr>
+          </a:solidFill>
+          <a:ln>
+            <a:solidFill>
+              <a:schemeClr val="accent1"/>
+            </a:solidFill>
+          </a:ln>
+        </p:spPr>
+        <p:style>
+          <a:lnRef idx="2">
+            <a:schemeClr val="accent1">
+              <a:shade val="50000"/>
+            </a:schemeClr>
+          </a:lnRef>
+          <a:fillRef idx="1">
+            <a:schemeClr val="accent1"/>
+          </a:fillRef>
+          <a:effectRef idx="0">
+            <a:schemeClr val="accent1"/>
+          </a:effectRef>
+          <a:fontRef idx="minor">
+            <a:schemeClr val="lt1"/>
+          </a:fontRef>
+        </p:style>
+        <p:txBody>
+          <a:bodyPr rtlCol="0" anchor="ctr"/>
+          <a:lstStyle/>
+          <a:p>
+            <a:pPr algn="ctr"/>
+            <a:endParaRPr lang="zh-CN" altLang="en-US"/>
+          </a:p>
+        </p:txBody>
+      </p:sp>
+      <p:sp>
+        <p:nvSpPr>
+          <p:cNvPr id="44" name="矩形 43"/>
+          <p:cNvSpPr/>
+          <p:nvPr/>
+        </p:nvSpPr>
+        <p:spPr>
+          <a:xfrm>
+            <a:off x="3623859" y="2050209"/>
+            <a:ext cx="1814652" cy="457200"/>
+          </a:xfrm>
+          <a:prstGeom prst="rect">
+            <a:avLst/>
+          </a:prstGeom>
+          <a:solidFill>
+            <a:schemeClr val="bg1"/>
+          </a:solidFill>
+          <a:ln>
+            <a:solidFill>
+              <a:schemeClr val="accent1"/>
+            </a:solidFill>
+          </a:ln>
+        </p:spPr>
+        <p:style>
+          <a:lnRef idx="2">
+            <a:schemeClr val="accent1">
+              <a:shade val="50000"/>
+            </a:schemeClr>
+          </a:lnRef>
+          <a:fillRef idx="1">
+            <a:schemeClr val="accent1"/>
+          </a:fillRef>
+          <a:effectRef idx="0">
+            <a:schemeClr val="accent1"/>
+          </a:effectRef>
+          <a:fontRef idx="minor">
+            <a:schemeClr val="lt1"/>
+          </a:fontRef>
+        </p:style>
+        <p:txBody>
+          <a:bodyPr rtlCol="0" anchor="ctr"/>
+          <a:lstStyle/>
+          <a:p>
+            <a:pPr algn="ctr"/>
+            <a:endParaRPr lang="zh-CN" altLang="en-US"/>
+          </a:p>
+        </p:txBody>
+      </p:sp>
+      <p:sp>
+        <p:nvSpPr>
+          <p:cNvPr id="45" name="文本框 44"/>
+          <p:cNvSpPr txBox="1"/>
+          <p:nvPr/>
+        </p:nvSpPr>
+        <p:spPr>
+          <a:xfrm>
+            <a:off x="3853550" y="1685113"/>
+            <a:ext cx="2002975" cy="276997"/>
+          </a:xfrm>
+          <a:prstGeom prst="rect">
+            <a:avLst/>
+          </a:prstGeom>
+          <a:noFill/>
+        </p:spPr>
+        <p:txBody>
+          <a:bodyPr wrap="square" rtlCol="0">
+            <a:spAutoFit/>
+          </a:bodyPr>
+          <a:lstStyle/>
+          <a:p>
+            <a:r>
+              <a:rPr lang="en-US" altLang="zh-CN" sz="1200" dirty="0" err="1"/>
+              <a:t>IGetValByKey</a:t>
+            </a:r>
+            <a:r>
+              <a:rPr lang="en-US" altLang="zh-CN" sz="1200" dirty="0"/>
+              <a:t>&lt;K, T&gt;</a:t>
+            </a:r>
+            <a:endParaRPr lang="zh-CN" altLang="en-US" sz="1200" dirty="0"/>
+          </a:p>
+        </p:txBody>
+      </p:sp>
+      <p:sp>
+        <p:nvSpPr>
+          <p:cNvPr id="46" name="文本框 45"/>
+          <p:cNvSpPr txBox="1"/>
+          <p:nvPr/>
+        </p:nvSpPr>
+        <p:spPr>
+          <a:xfrm>
+            <a:off x="3683734" y="2142311"/>
+            <a:ext cx="2002972" cy="276949"/>
+          </a:xfrm>
+          <a:prstGeom prst="rect">
+            <a:avLst/>
+          </a:prstGeom>
+          <a:noFill/>
+        </p:spPr>
+        <p:txBody>
+          <a:bodyPr wrap="square" rtlCol="0">
+            <a:spAutoFit/>
+          </a:bodyPr>
+          <a:lstStyle/>
+          <a:p>
+            <a:r>
+              <a:rPr lang="en-US" altLang="zh-CN" sz="1200" dirty="0" smtClean="0"/>
+              <a:t>- T data</a:t>
+            </a:r>
+            <a:endParaRPr lang="zh-CN" altLang="en-US" sz="1200" dirty="0"/>
+          </a:p>
+        </p:txBody>
+      </p:sp>
+      <p:sp>
+        <p:nvSpPr>
+          <p:cNvPr id="47" name="矩形 46"/>
+          <p:cNvSpPr/>
+          <p:nvPr/>
+        </p:nvSpPr>
+        <p:spPr>
+          <a:xfrm>
+            <a:off x="492032" y="3073364"/>
+            <a:ext cx="1814651" cy="457200"/>
+          </a:xfrm>
+          <a:prstGeom prst="rect">
+            <a:avLst/>
+          </a:prstGeom>
+          <a:solidFill>
+            <a:schemeClr val="accent1">
+              <a:lumMod val="40000"/>
+              <a:lumOff val="60000"/>
+            </a:schemeClr>
+          </a:solidFill>
+          <a:ln>
+            <a:solidFill>
+              <a:schemeClr val="accent1"/>
+            </a:solidFill>
+          </a:ln>
+        </p:spPr>
+        <p:style>
+          <a:lnRef idx="2">
+            <a:schemeClr val="accent1">
+              <a:shade val="50000"/>
+            </a:schemeClr>
+          </a:lnRef>
+          <a:fillRef idx="1">
+            <a:schemeClr val="accent1"/>
+          </a:fillRef>
+          <a:effectRef idx="0">
+            <a:schemeClr val="accent1"/>
+          </a:effectRef>
+          <a:fontRef idx="minor">
+            <a:schemeClr val="lt1"/>
+          </a:fontRef>
+        </p:style>
+        <p:txBody>
+          <a:bodyPr rtlCol="0" anchor="ctr"/>
+          <a:lstStyle/>
+          <a:p>
+            <a:pPr algn="ctr"/>
+            <a:endParaRPr lang="zh-CN" altLang="en-US"/>
+          </a:p>
+        </p:txBody>
+      </p:sp>
+      <p:sp>
+        <p:nvSpPr>
+          <p:cNvPr id="48" name="矩形 47"/>
+          <p:cNvSpPr/>
+          <p:nvPr/>
+        </p:nvSpPr>
+        <p:spPr>
+          <a:xfrm>
+            <a:off x="492031" y="3530564"/>
+            <a:ext cx="1814652" cy="457200"/>
+          </a:xfrm>
+          <a:prstGeom prst="rect">
+            <a:avLst/>
+          </a:prstGeom>
+          <a:solidFill>
+            <a:schemeClr val="bg1"/>
+          </a:solidFill>
+          <a:ln>
+            <a:solidFill>
+              <a:schemeClr val="accent1"/>
+            </a:solidFill>
+          </a:ln>
+        </p:spPr>
+        <p:style>
+          <a:lnRef idx="2">
+            <a:schemeClr val="accent1">
+              <a:shade val="50000"/>
+            </a:schemeClr>
+          </a:lnRef>
+          <a:fillRef idx="1">
+            <a:schemeClr val="accent1"/>
+          </a:fillRef>
+          <a:effectRef idx="0">
+            <a:schemeClr val="accent1"/>
+          </a:effectRef>
+          <a:fontRef idx="minor">
+            <a:schemeClr val="lt1"/>
+          </a:fontRef>
+        </p:style>
+        <p:txBody>
+          <a:bodyPr rtlCol="0" anchor="ctr"/>
+          <a:lstStyle/>
+          <a:p>
+            <a:pPr algn="ctr"/>
+            <a:endParaRPr lang="zh-CN" altLang="en-US"/>
+          </a:p>
+        </p:txBody>
+      </p:sp>
+      <p:sp>
+        <p:nvSpPr>
+          <p:cNvPr id="49" name="文本框 48"/>
+          <p:cNvSpPr txBox="1"/>
+          <p:nvPr/>
+        </p:nvSpPr>
+        <p:spPr>
+          <a:xfrm>
+            <a:off x="512714" y="3165468"/>
+            <a:ext cx="2002975" cy="276997"/>
+          </a:xfrm>
+          <a:prstGeom prst="rect">
+            <a:avLst/>
+          </a:prstGeom>
+          <a:noFill/>
+        </p:spPr>
+        <p:txBody>
+          <a:bodyPr wrap="square" rtlCol="0">
+            <a:spAutoFit/>
+          </a:bodyPr>
+          <a:lstStyle/>
+          <a:p>
+            <a:r>
+              <a:rPr lang="en-US" altLang="zh-CN" sz="1200" dirty="0" err="1"/>
+              <a:t>NoCallbackInterException</a:t>
+            </a:r>
+            <a:endParaRPr lang="zh-CN" altLang="en-US" sz="1200" dirty="0"/>
+          </a:p>
+        </p:txBody>
+      </p:sp>
+      <p:cxnSp>
+        <p:nvCxnSpPr>
+          <p:cNvPr id="30" name="肘形连接符 29"/>
+          <p:cNvCxnSpPr>
+            <a:stCxn id="26" idx="1"/>
+            <a:endCxn id="48" idx="2"/>
+          </p:cNvCxnSpPr>
+          <p:nvPr/>
+        </p:nvCxnSpPr>
+        <p:spPr>
+          <a:xfrm rot="10800000">
+            <a:off x="1399357" y="3987765"/>
+            <a:ext cx="2481402" cy="1526281"/>
+          </a:xfrm>
+          <a:prstGeom prst="bentConnector2">
+            <a:avLst/>
+          </a:prstGeom>
+          <a:ln>
+            <a:prstDash val="sysDash"/>
+          </a:ln>
+        </p:spPr>
+        <p:style>
+          <a:lnRef idx="1">
+            <a:schemeClr val="accent1"/>
+          </a:lnRef>
+          <a:fillRef idx="0">
+            <a:schemeClr val="accent1"/>
+          </a:fillRef>
+          <a:effectRef idx="0">
+            <a:schemeClr val="accent1"/>
+          </a:effectRef>
+          <a:fontRef idx="minor">
+            <a:schemeClr val="tx1"/>
+          </a:fontRef>
+        </p:style>
+      </p:cxnSp>
+      <p:cxnSp>
+        <p:nvCxnSpPr>
+          <p:cNvPr id="32" name="直接连接符 31"/>
+          <p:cNvCxnSpPr>
+            <a:endCxn id="48" idx="2"/>
+          </p:cNvCxnSpPr>
+          <p:nvPr/>
+        </p:nvCxnSpPr>
+        <p:spPr>
+          <a:xfrm flipV="1">
+            <a:off x="1293223" y="3987764"/>
+            <a:ext cx="106134" cy="127036"/>
+          </a:xfrm>
+          <a:prstGeom prst="line">
+            <a:avLst/>
+          </a:prstGeom>
+        </p:spPr>
+        <p:style>
+          <a:lnRef idx="1">
+            <a:schemeClr val="accent1"/>
+          </a:lnRef>
+          <a:fillRef idx="0">
+            <a:schemeClr val="accent1"/>
+          </a:fillRef>
+          <a:effectRef idx="0">
+            <a:schemeClr val="accent1"/>
+          </a:effectRef>
+          <a:fontRef idx="minor">
+            <a:schemeClr val="tx1"/>
+          </a:fontRef>
+        </p:style>
+      </p:cxnSp>
+      <p:cxnSp>
+        <p:nvCxnSpPr>
+          <p:cNvPr id="34" name="直接连接符 33"/>
+          <p:cNvCxnSpPr>
+            <a:endCxn id="48" idx="2"/>
+          </p:cNvCxnSpPr>
+          <p:nvPr/>
+        </p:nvCxnSpPr>
+        <p:spPr>
+          <a:xfrm flipH="1" flipV="1">
+            <a:off x="1399357" y="3987764"/>
+            <a:ext cx="128997" cy="127036"/>
+          </a:xfrm>
+          <a:prstGeom prst="line">
+            <a:avLst/>
+          </a:prstGeom>
+        </p:spPr>
+        <p:style>
+          <a:lnRef idx="1">
+            <a:schemeClr val="accent1"/>
+          </a:lnRef>
+          <a:fillRef idx="0">
+            <a:schemeClr val="accent1"/>
+          </a:fillRef>
+          <a:effectRef idx="0">
+            <a:schemeClr val="accent1"/>
+          </a:effectRef>
+          <a:fontRef idx="minor">
+            <a:schemeClr val="tx1"/>
+          </a:fontRef>
+        </p:style>
+      </p:cxnSp>
+      <p:cxnSp>
+        <p:nvCxnSpPr>
+          <p:cNvPr id="54" name="肘形连接符 53"/>
+          <p:cNvCxnSpPr>
+            <a:stCxn id="2" idx="0"/>
+            <a:endCxn id="36" idx="2"/>
+          </p:cNvCxnSpPr>
+          <p:nvPr/>
+        </p:nvCxnSpPr>
+        <p:spPr>
+          <a:xfrm rot="16200000" flipV="1">
+            <a:off x="3249327" y="1002522"/>
+            <a:ext cx="453513" cy="3445868"/>
+          </a:xfrm>
+          <a:prstGeom prst="bentConnector3">
+            <a:avLst/>
+          </a:prstGeom>
+          <a:ln>
+            <a:prstDash val="sysDash"/>
+          </a:ln>
+        </p:spPr>
+        <p:style>
+          <a:lnRef idx="1">
+            <a:schemeClr val="accent1"/>
+          </a:lnRef>
+          <a:fillRef idx="0">
+            <a:schemeClr val="accent1"/>
+          </a:fillRef>
+          <a:effectRef idx="0">
+            <a:schemeClr val="accent1"/>
+          </a:effectRef>
+          <a:fontRef idx="minor">
+            <a:schemeClr val="tx1"/>
+          </a:fontRef>
+        </p:style>
+      </p:cxnSp>
+      <p:cxnSp>
+        <p:nvCxnSpPr>
+          <p:cNvPr id="65" name="直接连接符 64"/>
+          <p:cNvCxnSpPr/>
+          <p:nvPr/>
+        </p:nvCxnSpPr>
+        <p:spPr>
+          <a:xfrm flipV="1">
+            <a:off x="1628505" y="2481178"/>
+            <a:ext cx="106134" cy="127036"/>
+          </a:xfrm>
+          <a:prstGeom prst="line">
+            <a:avLst/>
+          </a:prstGeom>
+        </p:spPr>
+        <p:style>
+          <a:lnRef idx="1">
+            <a:schemeClr val="accent1"/>
+          </a:lnRef>
+          <a:fillRef idx="0">
+            <a:schemeClr val="accent1"/>
+          </a:fillRef>
+          <a:effectRef idx="0">
+            <a:schemeClr val="accent1"/>
+          </a:effectRef>
+          <a:fontRef idx="minor">
+            <a:schemeClr val="tx1"/>
+          </a:fontRef>
+        </p:style>
+      </p:cxnSp>
+      <p:cxnSp>
+        <p:nvCxnSpPr>
+          <p:cNvPr id="66" name="直接连接符 65"/>
+          <p:cNvCxnSpPr/>
+          <p:nvPr/>
+        </p:nvCxnSpPr>
+        <p:spPr>
+          <a:xfrm flipH="1" flipV="1">
+            <a:off x="1734639" y="2481178"/>
+            <a:ext cx="128997" cy="127036"/>
+          </a:xfrm>
+          <a:prstGeom prst="line">
+            <a:avLst/>
+          </a:prstGeom>
+        </p:spPr>
+        <p:style>
+          <a:lnRef idx="1">
+            <a:schemeClr val="accent1"/>
+          </a:lnRef>
+          <a:fillRef idx="0">
+            <a:schemeClr val="accent1"/>
+          </a:fillRef>
+          <a:effectRef idx="0">
+            <a:schemeClr val="accent1"/>
+          </a:effectRef>
+          <a:fontRef idx="minor">
+            <a:schemeClr val="tx1"/>
+          </a:fontRef>
+        </p:style>
+      </p:cxnSp>
+      <p:cxnSp>
+        <p:nvCxnSpPr>
+          <p:cNvPr id="67" name="直接连接符 66"/>
+          <p:cNvCxnSpPr/>
+          <p:nvPr/>
+        </p:nvCxnSpPr>
+        <p:spPr>
+          <a:xfrm flipV="1">
+            <a:off x="4476215" y="2507308"/>
+            <a:ext cx="106134" cy="127036"/>
+          </a:xfrm>
+          <a:prstGeom prst="line">
+            <a:avLst/>
+          </a:prstGeom>
+        </p:spPr>
+        <p:style>
+          <a:lnRef idx="1">
+            <a:schemeClr val="accent1"/>
+          </a:lnRef>
+          <a:fillRef idx="0">
+            <a:schemeClr val="accent1"/>
+          </a:fillRef>
+          <a:effectRef idx="0">
+            <a:schemeClr val="accent1"/>
+          </a:effectRef>
+          <a:fontRef idx="minor">
+            <a:schemeClr val="tx1"/>
+          </a:fontRef>
+        </p:style>
+      </p:cxnSp>
+      <p:cxnSp>
+        <p:nvCxnSpPr>
+          <p:cNvPr id="68" name="直接连接符 67"/>
+          <p:cNvCxnSpPr/>
+          <p:nvPr/>
+        </p:nvCxnSpPr>
+        <p:spPr>
+          <a:xfrm flipH="1" flipV="1">
+            <a:off x="4582349" y="2507308"/>
+            <a:ext cx="128997" cy="127036"/>
+          </a:xfrm>
+          <a:prstGeom prst="line">
+            <a:avLst/>
+          </a:prstGeom>
+        </p:spPr>
+        <p:style>
+          <a:lnRef idx="1">
+            <a:schemeClr val="accent1"/>
+          </a:lnRef>
+          <a:fillRef idx="0">
+            <a:schemeClr val="accent1"/>
+          </a:fillRef>
+          <a:effectRef idx="0">
+            <a:schemeClr val="accent1"/>
+          </a:effectRef>
+          <a:fontRef idx="minor">
+            <a:schemeClr val="tx1"/>
+          </a:fontRef>
+        </p:style>
+      </p:cxnSp>
+      <p:cxnSp>
+        <p:nvCxnSpPr>
+          <p:cNvPr id="72" name="直接连接符 71"/>
+          <p:cNvCxnSpPr/>
+          <p:nvPr/>
+        </p:nvCxnSpPr>
+        <p:spPr>
+          <a:xfrm>
+            <a:off x="4582349" y="2507308"/>
+            <a:ext cx="0" cy="216000"/>
+          </a:xfrm>
+          <a:prstGeom prst="line">
+            <a:avLst/>
+          </a:prstGeom>
+          <a:ln>
+            <a:prstDash val="sysDash"/>
+          </a:ln>
+        </p:spPr>
+        <p:style>
+          <a:lnRef idx="1">
+            <a:schemeClr val="accent1"/>
+          </a:lnRef>
+          <a:fillRef idx="0">
+            <a:schemeClr val="accent1"/>
+          </a:fillRef>
+          <a:effectRef idx="0">
+            <a:schemeClr val="accent1"/>
+          </a:effectRef>
+          <a:fontRef idx="minor">
+            <a:schemeClr val="tx1"/>
+          </a:fontRef>
+        </p:style>
+      </p:cxnSp>
+      <p:cxnSp>
+        <p:nvCxnSpPr>
+          <p:cNvPr id="74" name="肘形连接符 73"/>
+          <p:cNvCxnSpPr>
+            <a:stCxn id="2" idx="0"/>
+            <a:endCxn id="42" idx="2"/>
+          </p:cNvCxnSpPr>
+          <p:nvPr/>
+        </p:nvCxnSpPr>
+        <p:spPr>
+          <a:xfrm rot="5400000" flipH="1" flipV="1">
+            <a:off x="6028568" y="1787485"/>
+            <a:ext cx="335177" cy="1994279"/>
+          </a:xfrm>
+          <a:prstGeom prst="bentConnector3">
+            <a:avLst/>
+          </a:prstGeom>
+          <a:ln>
+            <a:prstDash val="sysDash"/>
+          </a:ln>
+        </p:spPr>
+        <p:style>
+          <a:lnRef idx="1">
+            <a:schemeClr val="accent1"/>
+          </a:lnRef>
+          <a:fillRef idx="0">
+            <a:schemeClr val="accent1"/>
+          </a:fillRef>
+          <a:effectRef idx="0">
+            <a:schemeClr val="accent1"/>
+          </a:effectRef>
+          <a:fontRef idx="minor">
+            <a:schemeClr val="tx1"/>
+          </a:fontRef>
+        </p:style>
+      </p:cxnSp>
+      <p:cxnSp>
+        <p:nvCxnSpPr>
+          <p:cNvPr id="75" name="直接连接符 74"/>
+          <p:cNvCxnSpPr/>
+          <p:nvPr/>
+        </p:nvCxnSpPr>
+        <p:spPr>
+          <a:xfrm flipV="1">
+            <a:off x="7075730" y="2598746"/>
+            <a:ext cx="106134" cy="127036"/>
+          </a:xfrm>
+          <a:prstGeom prst="line">
+            <a:avLst/>
+          </a:prstGeom>
+        </p:spPr>
+        <p:style>
+          <a:lnRef idx="1">
+            <a:schemeClr val="accent1"/>
+          </a:lnRef>
+          <a:fillRef idx="0">
+            <a:schemeClr val="accent1"/>
+          </a:fillRef>
+          <a:effectRef idx="0">
+            <a:schemeClr val="accent1"/>
+          </a:effectRef>
+          <a:fontRef idx="minor">
+            <a:schemeClr val="tx1"/>
+          </a:fontRef>
+        </p:style>
+      </p:cxnSp>
+      <p:cxnSp>
+        <p:nvCxnSpPr>
+          <p:cNvPr id="76" name="直接连接符 75"/>
+          <p:cNvCxnSpPr/>
+          <p:nvPr/>
+        </p:nvCxnSpPr>
+        <p:spPr>
+          <a:xfrm flipH="1" flipV="1">
+            <a:off x="7181864" y="2598746"/>
+            <a:ext cx="128997" cy="127036"/>
+          </a:xfrm>
+          <a:prstGeom prst="line">
+            <a:avLst/>
+          </a:prstGeom>
+        </p:spPr>
+        <p:style>
+          <a:lnRef idx="1">
+            <a:schemeClr val="accent1"/>
+          </a:lnRef>
+          <a:fillRef idx="0">
+            <a:schemeClr val="accent1"/>
+          </a:fillRef>
+          <a:effectRef idx="0">
+            <a:schemeClr val="accent1"/>
+          </a:effectRef>
+          <a:fontRef idx="minor">
+            <a:schemeClr val="tx1"/>
+          </a:fontRef>
+        </p:style>
+      </p:cxnSp>
+      <p:sp>
+        <p:nvSpPr>
+          <p:cNvPr id="77" name="矩形 76"/>
+          <p:cNvSpPr/>
+          <p:nvPr/>
+        </p:nvSpPr>
+        <p:spPr>
+          <a:xfrm>
+            <a:off x="6313720" y="5281089"/>
+            <a:ext cx="2334170" cy="457200"/>
+          </a:xfrm>
+          <a:prstGeom prst="rect">
+            <a:avLst/>
+          </a:prstGeom>
+          <a:solidFill>
+            <a:schemeClr val="accent1">
+              <a:lumMod val="40000"/>
+              <a:lumOff val="60000"/>
+            </a:schemeClr>
+          </a:solidFill>
+          <a:ln>
+            <a:solidFill>
+              <a:schemeClr val="accent1"/>
+            </a:solidFill>
+          </a:ln>
+        </p:spPr>
+        <p:style>
+          <a:lnRef idx="2">
+            <a:schemeClr val="accent1">
+              <a:shade val="50000"/>
+            </a:schemeClr>
+          </a:lnRef>
+          <a:fillRef idx="1">
+            <a:schemeClr val="accent1"/>
+          </a:fillRef>
+          <a:effectRef idx="0">
+            <a:schemeClr val="accent1"/>
+          </a:effectRef>
+          <a:fontRef idx="minor">
+            <a:schemeClr val="lt1"/>
+          </a:fontRef>
+        </p:style>
+        <p:txBody>
+          <a:bodyPr rtlCol="0" anchor="ctr"/>
+          <a:lstStyle/>
+          <a:p>
+            <a:pPr algn="ctr"/>
+            <a:endParaRPr lang="zh-CN" altLang="en-US"/>
+          </a:p>
+        </p:txBody>
+      </p:sp>
+      <p:sp>
+        <p:nvSpPr>
+          <p:cNvPr id="78" name="矩形 77"/>
+          <p:cNvSpPr/>
+          <p:nvPr/>
+        </p:nvSpPr>
+        <p:spPr>
+          <a:xfrm>
+            <a:off x="6313720" y="5738289"/>
+            <a:ext cx="2334170" cy="457200"/>
+          </a:xfrm>
+          <a:prstGeom prst="rect">
+            <a:avLst/>
+          </a:prstGeom>
+          <a:solidFill>
+            <a:schemeClr val="bg1"/>
+          </a:solidFill>
+          <a:ln>
+            <a:solidFill>
+              <a:schemeClr val="accent1"/>
+            </a:solidFill>
+          </a:ln>
+        </p:spPr>
+        <p:style>
+          <a:lnRef idx="2">
+            <a:schemeClr val="accent1">
+              <a:shade val="50000"/>
+            </a:schemeClr>
+          </a:lnRef>
+          <a:fillRef idx="1">
+            <a:schemeClr val="accent1"/>
+          </a:fillRef>
+          <a:effectRef idx="0">
+            <a:schemeClr val="accent1"/>
+          </a:effectRef>
+          <a:fontRef idx="minor">
+            <a:schemeClr val="lt1"/>
+          </a:fontRef>
+        </p:style>
+        <p:txBody>
+          <a:bodyPr rtlCol="0" anchor="ctr"/>
+          <a:lstStyle/>
+          <a:p>
+            <a:pPr algn="ctr"/>
+            <a:endParaRPr lang="zh-CN" altLang="en-US"/>
+          </a:p>
+        </p:txBody>
+      </p:sp>
+      <p:sp>
+        <p:nvSpPr>
+          <p:cNvPr id="79" name="文本框 78"/>
+          <p:cNvSpPr txBox="1"/>
+          <p:nvPr/>
+        </p:nvSpPr>
+        <p:spPr>
+          <a:xfrm>
+            <a:off x="7019116" y="5373193"/>
+            <a:ext cx="2002975" cy="276997"/>
+          </a:xfrm>
+          <a:prstGeom prst="rect">
+            <a:avLst/>
+          </a:prstGeom>
+          <a:noFill/>
+        </p:spPr>
+        <p:txBody>
+          <a:bodyPr wrap="square" rtlCol="0">
+            <a:spAutoFit/>
+          </a:bodyPr>
+          <a:lstStyle/>
+          <a:p>
+            <a:r>
+              <a:rPr lang="en-US" altLang="zh-CN" sz="1200" dirty="0" err="1"/>
+              <a:t>PHCacheTestTool</a:t>
+            </a:r>
+            <a:endParaRPr lang="zh-CN" altLang="en-US" sz="1200" dirty="0"/>
+          </a:p>
+        </p:txBody>
+      </p:sp>
+      <p:sp>
+        <p:nvSpPr>
+          <p:cNvPr id="80" name="文本框 79"/>
+          <p:cNvSpPr txBox="1"/>
+          <p:nvPr/>
+        </p:nvSpPr>
+        <p:spPr>
+          <a:xfrm>
+            <a:off x="6283233" y="5752014"/>
+            <a:ext cx="2412284" cy="461665"/>
+          </a:xfrm>
+          <a:prstGeom prst="rect">
+            <a:avLst/>
+          </a:prstGeom>
+          <a:noFill/>
+        </p:spPr>
+        <p:txBody>
+          <a:bodyPr wrap="square" rtlCol="0">
+            <a:spAutoFit/>
+          </a:bodyPr>
+          <a:lstStyle/>
+          <a:p>
+            <a:r>
+              <a:rPr lang="en-US" altLang="zh-CN" sz="1200" dirty="0" smtClean="0"/>
+              <a:t>-</a:t>
+            </a:r>
+            <a:r>
+              <a:rPr lang="en-US" altLang="zh-CN" sz="1200" dirty="0" err="1" smtClean="0"/>
+              <a:t>testCache</a:t>
+            </a:r>
+            <a:r>
+              <a:rPr lang="en-US" altLang="zh-CN" sz="1200" dirty="0" smtClean="0"/>
+              <a:t>(</a:t>
+            </a:r>
+            <a:r>
+              <a:rPr lang="en-US" altLang="zh-CN" sz="1200" dirty="0" err="1" smtClean="0"/>
+              <a:t>PuHotDataCache</a:t>
+            </a:r>
+            <a:r>
+              <a:rPr lang="en-US" altLang="zh-CN" sz="1200" dirty="0" smtClean="0"/>
+              <a:t>&lt;String</a:t>
+            </a:r>
+            <a:r>
+              <a:rPr lang="en-US" altLang="zh-CN" sz="1200" dirty="0"/>
+              <a:t>, T&gt; source)</a:t>
+            </a:r>
+            <a:endParaRPr lang="zh-CN" altLang="en-US" sz="1200" dirty="0"/>
+          </a:p>
+        </p:txBody>
+      </p:sp>
+      <p:cxnSp>
+        <p:nvCxnSpPr>
+          <p:cNvPr id="82" name="直接连接符 81"/>
+          <p:cNvCxnSpPr>
+            <a:stCxn id="77" idx="1"/>
+          </p:cNvCxnSpPr>
+          <p:nvPr/>
+        </p:nvCxnSpPr>
+        <p:spPr>
+          <a:xfrm flipH="1">
+            <a:off x="5686706" y="5509689"/>
+            <a:ext cx="627014" cy="4357"/>
+          </a:xfrm>
+          <a:prstGeom prst="line">
+            <a:avLst/>
+          </a:prstGeom>
+          <a:ln>
+            <a:prstDash val="sysDash"/>
+          </a:ln>
+        </p:spPr>
+        <p:style>
+          <a:lnRef idx="1">
+            <a:schemeClr val="accent1"/>
+          </a:lnRef>
+          <a:fillRef idx="0">
+            <a:schemeClr val="accent1"/>
+          </a:fillRef>
+          <a:effectRef idx="0">
+            <a:schemeClr val="accent1"/>
+          </a:effectRef>
+          <a:fontRef idx="minor">
+            <a:schemeClr val="tx1"/>
+          </a:fontRef>
+        </p:style>
+      </p:cxnSp>
+      <p:cxnSp>
+        <p:nvCxnSpPr>
+          <p:cNvPr id="84" name="直接连接符 83"/>
+          <p:cNvCxnSpPr/>
+          <p:nvPr/>
+        </p:nvCxnSpPr>
+        <p:spPr>
+          <a:xfrm flipH="1">
+            <a:off x="5695410" y="5373193"/>
+            <a:ext cx="161115" cy="136496"/>
+          </a:xfrm>
+          <a:prstGeom prst="line">
+            <a:avLst/>
+          </a:prstGeom>
+          <a:ln>
+            <a:prstDash val="solid"/>
+          </a:ln>
+        </p:spPr>
+        <p:style>
+          <a:lnRef idx="1">
+            <a:schemeClr val="accent1"/>
+          </a:lnRef>
+          <a:fillRef idx="0">
+            <a:schemeClr val="accent1"/>
+          </a:fillRef>
+          <a:effectRef idx="0">
+            <a:schemeClr val="accent1"/>
+          </a:effectRef>
+          <a:fontRef idx="minor">
+            <a:schemeClr val="tx1"/>
+          </a:fontRef>
+        </p:style>
+      </p:cxnSp>
+      <p:cxnSp>
+        <p:nvCxnSpPr>
+          <p:cNvPr id="86" name="直接连接符 85"/>
+          <p:cNvCxnSpPr/>
+          <p:nvPr/>
+        </p:nvCxnSpPr>
+        <p:spPr>
+          <a:xfrm flipH="1" flipV="1">
+            <a:off x="5695410" y="5509689"/>
+            <a:ext cx="161115" cy="140501"/>
+          </a:xfrm>
+          <a:prstGeom prst="line">
+            <a:avLst/>
+          </a:prstGeom>
+          <a:ln>
+            <a:prstDash val="solid"/>
+          </a:ln>
+        </p:spPr>
+        <p:style>
+          <a:lnRef idx="1">
+            <a:schemeClr val="accent1"/>
+          </a:lnRef>
+          <a:fillRef idx="0">
+            <a:schemeClr val="accent1"/>
+          </a:fillRef>
+          <a:effectRef idx="0">
+            <a:schemeClr val="accent1"/>
+          </a:effectRef>
+          <a:fontRef idx="minor">
+            <a:schemeClr val="tx1"/>
+          </a:fontRef>
+        </p:style>
+      </p:cxnSp>
+    </p:spTree>
+    <p:extLst>
+      <p:ext uri="{BB962C8B-B14F-4D97-AF65-F5344CB8AC3E}">
+        <p14:creationId xmlns:p14="http://schemas.microsoft.com/office/powerpoint/2010/main" val="4137307476"/>
+      </p:ext>
+    </p:extLst>
+  </p:cSld>
+  <p:clrMapOvr>
+    <a:masterClrMapping/>
+  </p:clrMapOvr>
+  <p:timing>
+    <p:tnLst>
+      <p:par>
+        <p:cTn id="1" dur="indefinite" restart="never" nodeType="tmRoot">
+          <p:childTnLst>
+            <p:seq concurrent="1" nextAc="seek">
+              <p:cTn id="2" dur="indefinite" nodeType="mainSeq">
+                <p:childTnLst>
+                  <p:par>
+                    <p:cTn id="3" fill="hold">
+                      <p:stCondLst>
+                        <p:cond delay="indefinite"/>
+                        <p:cond evt="onBegin" delay="0">
+                          <p:tn val="2"/>
+                        </p:cond>
+                      </p:stCondLst>
+                      <p:childTnLst>
+                        <p:par>
+                          <p:cTn id="4" fill="hold">
+                            <p:stCondLst>
+                              <p:cond delay="0"/>
+                            </p:stCondLst>
+                            <p:childTnLst>
+                              <p:par>
+                                <p:cTn id="5" presetID="12" presetClass="entr" presetSubtype="8" fill="hold" nodeType="afterEffect">
+                                  <p:stCondLst>
+                                    <p:cond delay="0"/>
+                                  </p:stCondLst>
+                                  <p:childTnLst>
+                                    <p:set>
+                                      <p:cBhvr>
+                                        <p:cTn id="6" dur="1" fill="hold">
+                                          <p:stCondLst>
+                                            <p:cond delay="0"/>
+                                          </p:stCondLst>
+                                        </p:cTn>
+                                        <p:tgtEl>
+                                          <p:spTgt spid="9"/>
+                                        </p:tgtEl>
+                                        <p:attrNameLst>
+                                          <p:attrName>style.visibility</p:attrName>
+                                        </p:attrNameLst>
+                                      </p:cBhvr>
+                                      <p:to>
+                                        <p:strVal val="visible"/>
+                                      </p:to>
+                                    </p:set>
+                                    <p:anim calcmode="lin" valueType="num">
+                                      <p:cBhvr additive="base">
+                                        <p:cTn id="7" dur="500"/>
+                                        <p:tgtEl>
+                                          <p:spTgt spid="9"/>
+                                        </p:tgtEl>
+                                        <p:attrNameLst>
+                                          <p:attrName>ppt_x</p:attrName>
+                                        </p:attrNameLst>
+                                      </p:cBhvr>
+                                      <p:tavLst>
+                                        <p:tav tm="0">
+                                          <p:val>
+                                            <p:strVal val="#ppt_x-#ppt_w*1.125000"/>
+                                          </p:val>
+                                        </p:tav>
+                                        <p:tav tm="100000">
+                                          <p:val>
+                                            <p:strVal val="#ppt_x"/>
+                                          </p:val>
+                                        </p:tav>
+                                      </p:tavLst>
+                                    </p:anim>
+                                    <p:animEffect transition="in" filter="wipe(right)">
+                                      <p:cBhvr>
+                                        <p:cTn id="8" dur="500"/>
+                                        <p:tgtEl>
+                                          <p:spTgt spid="9"/>
+                                        </p:tgtEl>
+                                      </p:cBhvr>
+                                    </p:animEffect>
+                                  </p:childTnLst>
+                                </p:cTn>
+                              </p:par>
+                            </p:childTnLst>
+                          </p:cTn>
+                        </p:par>
+                      </p:childTnLst>
+                    </p:cTn>
+                  </p:par>
+                </p:childTnLst>
+              </p:cTn>
+              <p:prevCondLst>
+                <p:cond evt="onPrev" delay="0">
+                  <p:tgtEl>
+                    <p:sldTgt/>
+                  </p:tgtEl>
+                </p:cond>
+              </p:prevCondLst>
+              <p:nextCondLst>
+                <p:cond evt="onNext" delay="0">
+                  <p:tgtEl>
+                    <p:sldTgt/>
+                  </p:tgtEl>
+                </p:cond>
+              </p:nextCondLst>
+            </p:seq>
+          </p:childTnLst>
+        </p:cTn>
+      </p:par>
+    </p:tnLst>
+  </p:timing>
+</p:sld>
+</file>
+
+<file path=ppt/slides/slide17.xml><?xml version="1.0" encoding="utf-8"?>
+<p:sld xmlns:a="http://schemas.openxmlformats.org/drawingml/2006/main" xmlns:r="http://schemas.openxmlformats.org/officeDocument/2006/relationships" xmlns:p="http://schemas.openxmlformats.org/presentationml/2006/main">
+  <p:cSld>
+    <p:spTree>
+      <p:nvGrpSpPr>
+        <p:cNvPr id="1" name=""/>
+        <p:cNvGrpSpPr/>
+        <p:nvPr/>
+      </p:nvGrpSpPr>
+      <p:grpSpPr>
+        <a:xfrm>
+          <a:off x="0" y="0"/>
+          <a:ext cx="0" cy="0"/>
+          <a:chOff x="0" y="0"/>
+          <a:chExt cx="0" cy="0"/>
+        </a:xfrm>
+      </p:grpSpPr>
     </p:spTree>
     <p:extLst>
       <p:ext uri="{BB962C8B-B14F-4D97-AF65-F5344CB8AC3E}">
@@ -32858,7 +35176,7 @@
 </p:sld>
 </file>
 
-<file path=ppt/slides/slide17.xml><?xml version="1.0" encoding="utf-8"?>
+<file path=ppt/slides/slide18.xml><?xml version="1.0" encoding="utf-8"?>
 <p:sld xmlns:a="http://schemas.openxmlformats.org/drawingml/2006/main" xmlns:r="http://schemas.openxmlformats.org/officeDocument/2006/relationships" xmlns:p="http://schemas.openxmlformats.org/presentationml/2006/main">
   <p:cSld>
     <p:spTree>
@@ -45067,36 +47385,30 @@
           </p:txBody>
         </p:sp>
       </p:grpSp>
-      <p:sp>
-        <p:nvSpPr>
-          <p:cNvPr id="2" name="文本框 1"/>
-          <p:cNvSpPr txBox="1"/>
-          <p:nvPr/>
-        </p:nvSpPr>
+      <p:pic>
+        <p:nvPicPr>
+          <p:cNvPr id="3" name="图片 2"/>
+          <p:cNvPicPr>
+            <a:picLocks noChangeAspect="1"/>
+          </p:cNvPicPr>
+          <p:nvPr/>
+        </p:nvPicPr>
+        <p:blipFill>
+          <a:blip r:embed="rId3"/>
+          <a:stretch>
+            <a:fillRect/>
+          </a:stretch>
+        </p:blipFill>
         <p:spPr>
           <a:xfrm>
-            <a:off x="1724297" y="1737360"/>
-            <a:ext cx="2416629" cy="369332"/>
+            <a:off x="600890" y="1510801"/>
+            <a:ext cx="5819775" cy="3000375"/>
           </a:xfrm>
           <a:prstGeom prst="rect">
             <a:avLst/>
           </a:prstGeom>
-          <a:noFill/>
-        </p:spPr>
-        <p:txBody>
-          <a:bodyPr wrap="square" rtlCol="0">
-            <a:spAutoFit/>
-          </a:bodyPr>
-          <a:lstStyle/>
-          <a:p>
-            <a:r>
-              <a:rPr lang="zh-CN" altLang="en-US" dirty="0" smtClean="0"/>
-              <a:t>调用量和页面展现图</a:t>
-            </a:r>
-            <a:endParaRPr lang="zh-CN" altLang="en-US" dirty="0"/>
-          </a:p>
-        </p:txBody>
-      </p:sp>
+        </p:spPr>
+      </p:pic>
     </p:spTree>
     <p:extLst>
       <p:ext uri="{BB962C8B-B14F-4D97-AF65-F5344CB8AC3E}">
